--- a/jahia_einführung.pptx
+++ b/jahia_einführung.pptx
@@ -5,10 +5,10 @@
     <p:sldMasterId id="2147483665" r:id="rId1"/>
   </p:sldMasterIdLst>
   <p:notesMasterIdLst>
-    <p:notesMasterId r:id="rId56"/>
+    <p:notesMasterId r:id="rId57"/>
   </p:notesMasterIdLst>
   <p:handoutMasterIdLst>
-    <p:handoutMasterId r:id="rId57"/>
+    <p:handoutMasterId r:id="rId58"/>
   </p:handoutMasterIdLst>
   <p:sldIdLst>
     <p:sldId id="262" r:id="rId2"/>
@@ -65,6 +65,7 @@
     <p:sldId id="370" r:id="rId53"/>
     <p:sldId id="374" r:id="rId54"/>
     <p:sldId id="375" r:id="rId55"/>
+    <p:sldId id="417" r:id="rId56"/>
   </p:sldIdLst>
   <p:sldSz cx="9144000" cy="6858000" type="screen4x3"/>
   <p:notesSz cx="6858000" cy="9144000"/>
@@ -266,6 +267,7 @@
           <p14:sldIdLst>
             <p14:sldId id="374"/>
             <p14:sldId id="375"/>
+            <p14:sldId id="417"/>
           </p14:sldIdLst>
         </p14:section>
       </p14:sectionLst>
@@ -356,7 +358,7 @@
           <a:p>
             <a:fld id="{BFEE1ADE-3479-4D5B-A017-200E82C82B0F}" type="datetimeFigureOut">
               <a:rPr lang="de-DE" smtClean="0"/>
-              <a:t>19.03.2013</a:t>
+              <a:t>20.03.2013</a:t>
             </a:fld>
             <a:endParaRPr lang="de-DE"/>
           </a:p>
@@ -521,7 +523,7 @@
           <a:p>
             <a:fld id="{15C58675-5B91-4882-A466-CF6878371565}" type="datetimeFigureOut">
               <a:rPr lang="de-DE" smtClean="0"/>
-              <a:t>19.03.2013</a:t>
+              <a:t>20.03.2013</a:t>
             </a:fld>
             <a:endParaRPr lang="de-DE"/>
           </a:p>
@@ -6621,13 +6623,8 @@
             </a:r>
             <a:r>
               <a:rPr lang="de-DE" dirty="0" smtClean="0"/>
-              <a:t> June 7th, </a:t>
-            </a:r>
-            <a:r>
-              <a:rPr lang="de-DE" dirty="0" smtClean="0"/>
-              <a:t>2011</a:t>
-            </a:r>
-            <a:endParaRPr lang="de-DE" dirty="0" smtClean="0"/>
+              <a:t> June 7th, 2011</a:t>
+            </a:r>
           </a:p>
           <a:p>
             <a:pPr lvl="1"/>
@@ -8447,11 +8444,7 @@
                     <a:p>
                       <a:r>
                         <a:rPr lang="en-US" dirty="0" smtClean="0"/>
-                        <a:t>MySQL </a:t>
-                      </a:r>
-                      <a:r>
-                        <a:rPr lang="en-US" dirty="0" smtClean="0"/>
-                        <a:t>5.5</a:t>
+                        <a:t>MySQL 5.5</a:t>
                       </a:r>
                       <a:endParaRPr lang="en-US" dirty="0"/>
                     </a:p>
@@ -8627,11 +8620,7 @@
             </a:r>
             <a:r>
               <a:rPr lang="en-US" dirty="0" smtClean="0"/>
-              <a:t> </a:t>
-            </a:r>
-            <a:r>
-              <a:rPr lang="en-US" dirty="0" smtClean="0"/>
-              <a:t>- Pricing</a:t>
+              <a:t> - Pricing</a:t>
             </a:r>
             <a:endParaRPr lang="en-US" dirty="0"/>
           </a:p>
@@ -9505,9 +9494,6 @@
               </a:rPr>
               <a:t>Architecture</a:t>
             </a:r>
-            <a:endParaRPr lang="de-DE" sz="2800" dirty="0" smtClean="0">
-              <a:latin typeface="FagoOfficeSerif-Bold" pitchFamily="2" charset="0"/>
-            </a:endParaRPr>
           </a:p>
           <a:p>
             <a:pPr lvl="1"/>
@@ -9937,11 +9923,7 @@
           <a:p>
             <a:r>
               <a:rPr lang="de-DE" dirty="0" smtClean="0"/>
-              <a:t>Architecture - Core </a:t>
-            </a:r>
-            <a:r>
-              <a:rPr lang="de-DE" dirty="0" smtClean="0"/>
-              <a:t>Components</a:t>
+              <a:t>Architecture - Core Components</a:t>
             </a:r>
             <a:endParaRPr lang="en-US" dirty="0"/>
           </a:p>
@@ -12032,7 +12014,6 @@
               <a:rPr lang="en-US" dirty="0"/>
               <a:t>query languages </a:t>
             </a:r>
-            <a:endParaRPr lang="en-US" dirty="0"/>
           </a:p>
         </p:txBody>
       </p:sp>
@@ -12213,7 +12194,6 @@
               <a:rPr lang="de-DE" dirty="0" smtClean="0"/>
               <a:t>)</a:t>
             </a:r>
-            <a:endParaRPr lang="de-DE" dirty="0" smtClean="0"/>
           </a:p>
           <a:p>
             <a:r>
@@ -12287,11 +12267,7 @@
             </a:r>
             <a:r>
               <a:rPr lang="de-DE" dirty="0" smtClean="0"/>
-              <a:t>)- no</a:t>
-            </a:r>
-            <a:r>
-              <a:rPr lang="de-DE" dirty="0" smtClean="0"/>
-              <a:t>t in 6.6.x</a:t>
+              <a:t>)- not in 6.6.x</a:t>
             </a:r>
             <a:endParaRPr lang="de-DE" dirty="0"/>
           </a:p>
@@ -13241,11 +13217,7 @@
             </a:r>
             <a:r>
               <a:rPr lang="de-DE" dirty="0" smtClean="0"/>
-              <a:t>– </a:t>
-            </a:r>
-            <a:r>
-              <a:rPr lang="de-DE" dirty="0" smtClean="0"/>
-              <a:t>BPM / Workflows</a:t>
+              <a:t>– BPM / Workflows</a:t>
             </a:r>
             <a:endParaRPr lang="de-DE" dirty="0"/>
           </a:p>
@@ -15257,9 +15229,6 @@
               </a:rPr>
               <a:t>Architecture</a:t>
             </a:r>
-            <a:endParaRPr lang="de-DE" sz="2800" dirty="0" smtClean="0">
-              <a:latin typeface="FagoOfficeSerif-Bold" pitchFamily="2" charset="0"/>
-            </a:endParaRPr>
           </a:p>
           <a:p>
             <a:pPr lvl="1"/>
@@ -15854,11 +15823,7 @@
             </a:r>
             <a:r>
               <a:rPr lang="de-DE" dirty="0" smtClean="0"/>
-              <a:t> </a:t>
-            </a:r>
-            <a:r>
-              <a:rPr lang="de-DE" dirty="0" smtClean="0"/>
-              <a:t>- </a:t>
+              <a:t> - </a:t>
             </a:r>
             <a:r>
               <a:rPr lang="de-DE" dirty="0" err="1" smtClean="0"/>
@@ -16796,7 +16761,6 @@
               <a:rPr lang="de-DE" dirty="0" smtClean="0"/>
               <a:t>Architecture</a:t>
             </a:r>
-            <a:endParaRPr lang="de-DE" dirty="0" smtClean="0"/>
           </a:p>
           <a:p>
             <a:pPr lvl="1"/>
@@ -16823,9 +16787,6 @@
               </a:rPr>
               <a:t>Jahia in Action</a:t>
             </a:r>
-            <a:endParaRPr lang="de-DE" sz="2800" dirty="0" smtClean="0">
-              <a:latin typeface="FagoOfficeSans-Bold" pitchFamily="2" charset="0"/>
-            </a:endParaRPr>
           </a:p>
           <a:p>
             <a:r>
@@ -18829,102 +18790,96 @@
               <a:rPr lang="de-DE" dirty="0" smtClean="0"/>
               <a:t>Jahia Studio</a:t>
             </a:r>
+          </a:p>
+          <a:p>
+            <a:pPr lvl="1"/>
+            <a:r>
+              <a:rPr lang="de-DE" dirty="0" smtClean="0"/>
+              <a:t>Create </a:t>
+            </a:r>
+            <a:r>
+              <a:rPr lang="de-DE" dirty="0" err="1" smtClean="0"/>
+              <a:t>templates</a:t>
+            </a:r>
+            <a:r>
+              <a:rPr lang="de-DE" dirty="0" smtClean="0"/>
+              <a:t>(</a:t>
+            </a:r>
+            <a:r>
+              <a:rPr lang="de-DE" dirty="0" err="1" smtClean="0"/>
+              <a:t>raw</a:t>
+            </a:r>
+            <a:r>
+              <a:rPr lang="de-DE" dirty="0" smtClean="0"/>
+              <a:t> design) </a:t>
+            </a:r>
+            <a:r>
+              <a:rPr lang="de-DE" dirty="0" err="1" smtClean="0"/>
+              <a:t>for</a:t>
+            </a:r>
+            <a:r>
+              <a:rPr lang="de-DE" dirty="0" smtClean="0"/>
+              <a:t> </a:t>
+            </a:r>
+            <a:r>
+              <a:rPr lang="de-DE" dirty="0" err="1" smtClean="0"/>
+              <a:t>modules</a:t>
+            </a:r>
+            <a:r>
+              <a:rPr lang="de-DE" dirty="0" smtClean="0"/>
+              <a:t> </a:t>
+            </a:r>
+            <a:r>
+              <a:rPr lang="de-DE" dirty="0" err="1" smtClean="0"/>
+              <a:t>and</a:t>
+            </a:r>
+            <a:r>
+              <a:rPr lang="de-DE" dirty="0" smtClean="0"/>
+              <a:t> </a:t>
+            </a:r>
+            <a:r>
+              <a:rPr lang="de-DE" dirty="0" err="1" smtClean="0"/>
+              <a:t>sites</a:t>
+            </a:r>
             <a:endParaRPr lang="de-DE" dirty="0" smtClean="0"/>
           </a:p>
           <a:p>
             <a:pPr lvl="1"/>
             <a:r>
-              <a:rPr lang="de-DE" dirty="0" smtClean="0"/>
-              <a:t>Create </a:t>
-            </a:r>
-            <a:r>
-              <a:rPr lang="de-DE" dirty="0" err="1" smtClean="0"/>
-              <a:t>templates</a:t>
-            </a:r>
-            <a:r>
-              <a:rPr lang="de-DE" dirty="0" smtClean="0"/>
-              <a:t>(</a:t>
-            </a:r>
-            <a:r>
-              <a:rPr lang="de-DE" dirty="0" err="1" smtClean="0"/>
-              <a:t>raw</a:t>
-            </a:r>
-            <a:r>
-              <a:rPr lang="de-DE" dirty="0" smtClean="0"/>
-              <a:t> design) </a:t>
-            </a:r>
-            <a:r>
-              <a:rPr lang="de-DE" dirty="0" err="1" smtClean="0"/>
-              <a:t>for</a:t>
-            </a:r>
-            <a:r>
-              <a:rPr lang="de-DE" dirty="0" smtClean="0"/>
-              <a:t> </a:t>
-            </a:r>
-            <a:r>
-              <a:rPr lang="de-DE" dirty="0" err="1" smtClean="0"/>
-              <a:t>modules</a:t>
-            </a:r>
-            <a:r>
-              <a:rPr lang="de-DE" dirty="0" smtClean="0"/>
-              <a:t> </a:t>
-            </a:r>
-            <a:r>
-              <a:rPr lang="de-DE" dirty="0" err="1" smtClean="0"/>
-              <a:t>and</a:t>
-            </a:r>
-            <a:r>
-              <a:rPr lang="de-DE" dirty="0" smtClean="0"/>
-              <a:t> </a:t>
-            </a:r>
-            <a:r>
-              <a:rPr lang="de-DE" dirty="0" err="1" smtClean="0"/>
-              <a:t>sites</a:t>
+              <a:rPr lang="de-DE" dirty="0" err="1" smtClean="0"/>
+              <a:t>Used</a:t>
+            </a:r>
+            <a:r>
+              <a:rPr lang="de-DE" dirty="0" smtClean="0"/>
+              <a:t> </a:t>
+            </a:r>
+            <a:r>
+              <a:rPr lang="de-DE" dirty="0" err="1" smtClean="0"/>
+              <a:t>by</a:t>
+            </a:r>
+            <a:r>
+              <a:rPr lang="de-DE" dirty="0" smtClean="0"/>
+              <a:t> </a:t>
+            </a:r>
+            <a:r>
+              <a:rPr lang="de-DE" dirty="0" err="1" smtClean="0"/>
+              <a:t>integrator</a:t>
+            </a:r>
+            <a:r>
+              <a:rPr lang="de-DE" dirty="0" smtClean="0"/>
+              <a:t>/</a:t>
+            </a:r>
+            <a:r>
+              <a:rPr lang="de-DE" dirty="0" err="1" smtClean="0"/>
+              <a:t>developer</a:t>
             </a:r>
             <a:endParaRPr lang="de-DE" dirty="0" smtClean="0"/>
           </a:p>
           <a:p>
-            <a:pPr lvl="1"/>
-            <a:r>
-              <a:rPr lang="de-DE" dirty="0" err="1" smtClean="0"/>
-              <a:t>Used</a:t>
-            </a:r>
-            <a:r>
-              <a:rPr lang="de-DE" dirty="0" smtClean="0"/>
-              <a:t> </a:t>
-            </a:r>
-            <a:r>
-              <a:rPr lang="de-DE" dirty="0" err="1" smtClean="0"/>
-              <a:t>by</a:t>
-            </a:r>
-            <a:r>
-              <a:rPr lang="de-DE" dirty="0" smtClean="0"/>
-              <a:t> </a:t>
-            </a:r>
-            <a:r>
-              <a:rPr lang="de-DE" dirty="0" err="1" smtClean="0"/>
-              <a:t>integrator</a:t>
-            </a:r>
-            <a:r>
-              <a:rPr lang="de-DE" dirty="0" smtClean="0"/>
-              <a:t>/</a:t>
-            </a:r>
-            <a:r>
-              <a:rPr lang="de-DE" dirty="0" err="1" smtClean="0"/>
-              <a:t>developer</a:t>
-            </a:r>
-            <a:endParaRPr lang="de-DE" dirty="0" smtClean="0"/>
-          </a:p>
-          <a:p>
-            <a:r>
-              <a:rPr lang="de-DE" dirty="0" smtClean="0"/>
-              <a:t>Editor </a:t>
-            </a:r>
-            <a:r>
-              <a:rPr lang="de-DE" dirty="0" smtClean="0"/>
-              <a:t>Mode</a:t>
-            </a:r>
-            <a:endParaRPr lang="de-DE" dirty="0" smtClean="0"/>
+            <a:r>
+              <a:rPr lang="de-DE" dirty="0" smtClean="0"/>
+              <a:t>Editor Mode</a:t>
+            </a:r>
           </a:p>
           <a:p>
             <a:pPr lvl="1"/>
@@ -19391,7 +19346,6 @@
               <a:rPr lang="de-DE" dirty="0" smtClean="0"/>
               <a:t>Jahia in Action</a:t>
             </a:r>
-            <a:endParaRPr lang="de-DE" dirty="0" smtClean="0"/>
           </a:p>
           <a:p>
             <a:r>
@@ -19575,7 +19529,6 @@
               <a:rPr lang="de-DE" dirty="0" smtClean="0"/>
               <a:t>)</a:t>
             </a:r>
-            <a:endParaRPr lang="de-DE" dirty="0" smtClean="0"/>
           </a:p>
           <a:p>
             <a:r>
@@ -20283,6 +20236,427 @@
 </p:sld>
 </file>
 
+<file path=ppt/slides/slide55.xml><?xml version="1.0" encoding="utf-8"?>
+<p:sld xmlns:a="http://schemas.openxmlformats.org/drawingml/2006/main" xmlns:r="http://schemas.openxmlformats.org/officeDocument/2006/relationships" xmlns:p="http://schemas.openxmlformats.org/presentationml/2006/main">
+  <p:cSld>
+    <p:spTree>
+      <p:nvGrpSpPr>
+        <p:cNvPr id="1" name=""/>
+        <p:cNvGrpSpPr/>
+        <p:nvPr/>
+      </p:nvGrpSpPr>
+      <p:grpSpPr>
+        <a:xfrm>
+          <a:off x="0" y="0"/>
+          <a:ext cx="0" cy="0"/>
+          <a:chOff x="0" y="0"/>
+          <a:chExt cx="0" cy="0"/>
+        </a:xfrm>
+      </p:grpSpPr>
+      <p:sp>
+        <p:nvSpPr>
+          <p:cNvPr id="3" name="Titel 2"/>
+          <p:cNvSpPr>
+            <a:spLocks noGrp="1"/>
+          </p:cNvSpPr>
+          <p:nvPr>
+            <p:ph type="title"/>
+          </p:nvPr>
+        </p:nvSpPr>
+        <p:spPr/>
+        <p:txBody>
+          <a:bodyPr/>
+          <a:lstStyle/>
+          <a:p>
+            <a:r>
+              <a:rPr lang="de-DE" dirty="0" smtClean="0"/>
+              <a:t>Demonstration</a:t>
+            </a:r>
+            <a:endParaRPr lang="en-US" dirty="0"/>
+          </a:p>
+        </p:txBody>
+      </p:sp>
+      <p:sp>
+        <p:nvSpPr>
+          <p:cNvPr id="4" name="Datumsplatzhalter 3"/>
+          <p:cNvSpPr>
+            <a:spLocks noGrp="1"/>
+          </p:cNvSpPr>
+          <p:nvPr>
+            <p:ph type="dt" sz="half" idx="10"/>
+          </p:nvPr>
+        </p:nvSpPr>
+        <p:spPr/>
+        <p:txBody>
+          <a:bodyPr/>
+          <a:lstStyle/>
+          <a:p>
+            <a:r>
+              <a:rPr lang="de-DE" smtClean="0"/>
+              <a:t>Berlin, 15.03.2013</a:t>
+            </a:r>
+            <a:endParaRPr lang="de-DE" dirty="0"/>
+          </a:p>
+        </p:txBody>
+      </p:sp>
+      <p:sp>
+        <p:nvSpPr>
+          <p:cNvPr id="5" name="Fußzeilenplatzhalter 4"/>
+          <p:cNvSpPr>
+            <a:spLocks noGrp="1"/>
+          </p:cNvSpPr>
+          <p:nvPr>
+            <p:ph type="ftr" sz="quarter" idx="11"/>
+          </p:nvPr>
+        </p:nvSpPr>
+        <p:spPr/>
+        <p:txBody>
+          <a:bodyPr/>
+          <a:lstStyle/>
+          <a:p>
+            <a:pPr algn="l"/>
+            <a:r>
+              <a:rPr lang="de-DE" smtClean="0"/>
+              <a:t>marvin.byfield@init.de</a:t>
+            </a:r>
+            <a:endParaRPr lang="de-DE" dirty="0"/>
+          </a:p>
+        </p:txBody>
+      </p:sp>
+      <p:sp>
+        <p:nvSpPr>
+          <p:cNvPr id="6" name="Inhaltsplatzhalter 5"/>
+          <p:cNvSpPr>
+            <a:spLocks noGrp="1"/>
+          </p:cNvSpPr>
+          <p:nvPr>
+            <p:ph idx="1"/>
+          </p:nvPr>
+        </p:nvSpPr>
+        <p:spPr/>
+        <p:txBody>
+          <a:bodyPr/>
+          <a:lstStyle/>
+          <a:p>
+            <a:pPr marL="0" indent="0">
+              <a:buNone/>
+            </a:pPr>
+            <a:r>
+              <a:rPr lang="de-DE" dirty="0" err="1" smtClean="0">
+                <a:latin typeface="FagoOfficeSans-Bold" pitchFamily="2" charset="0"/>
+              </a:rPr>
+              <a:t>Choose</a:t>
+            </a:r>
+            <a:r>
+              <a:rPr lang="de-DE" dirty="0" smtClean="0">
+                <a:latin typeface="FagoOfficeSans-Bold" pitchFamily="2" charset="0"/>
+              </a:rPr>
+              <a:t> </a:t>
+            </a:r>
+            <a:r>
+              <a:rPr lang="de-DE" dirty="0" err="1" smtClean="0">
+                <a:latin typeface="FagoOfficeSans-Bold" pitchFamily="2" charset="0"/>
+              </a:rPr>
+              <a:t>your</a:t>
+            </a:r>
+            <a:r>
+              <a:rPr lang="de-DE" dirty="0" smtClean="0">
+                <a:latin typeface="FagoOfficeSans-Bold" pitchFamily="2" charset="0"/>
+              </a:rPr>
+              <a:t> </a:t>
+            </a:r>
+            <a:r>
+              <a:rPr lang="de-DE" dirty="0" err="1" smtClean="0">
+                <a:latin typeface="FagoOfficeSans-Bold" pitchFamily="2" charset="0"/>
+              </a:rPr>
+              <a:t>destiny</a:t>
+            </a:r>
+            <a:endParaRPr lang="de-DE" dirty="0" smtClean="0">
+              <a:latin typeface="FagoOfficeSans-Bold" pitchFamily="2" charset="0"/>
+            </a:endParaRPr>
+          </a:p>
+          <a:p>
+            <a:r>
+              <a:rPr lang="de-DE" dirty="0" smtClean="0"/>
+              <a:t>Module </a:t>
+            </a:r>
+            <a:r>
+              <a:rPr lang="de-DE" dirty="0" err="1" smtClean="0"/>
+              <a:t>creation</a:t>
+            </a:r>
+            <a:r>
+              <a:rPr lang="de-DE" dirty="0" smtClean="0"/>
+              <a:t> / </a:t>
+            </a:r>
+            <a:r>
+              <a:rPr lang="de-DE" dirty="0" err="1" smtClean="0"/>
+              <a:t>deployment</a:t>
+            </a:r>
+            <a:r>
+              <a:rPr lang="de-DE" dirty="0" smtClean="0"/>
+              <a:t> / </a:t>
+            </a:r>
+            <a:r>
+              <a:rPr lang="de-DE" dirty="0" err="1" smtClean="0"/>
+              <a:t>structure</a:t>
+            </a:r>
+            <a:r>
+              <a:rPr lang="de-DE" dirty="0" smtClean="0"/>
+              <a:t> - </a:t>
+            </a:r>
+            <a:r>
+              <a:rPr lang="de-DE" dirty="0" err="1" smtClean="0"/>
+              <a:t>done</a:t>
+            </a:r>
+            <a:endParaRPr lang="de-DE" dirty="0" smtClean="0"/>
+          </a:p>
+          <a:p>
+            <a:r>
+              <a:rPr lang="de-DE" dirty="0" smtClean="0"/>
+              <a:t>Template </a:t>
+            </a:r>
+            <a:r>
+              <a:rPr lang="de-DE" dirty="0" err="1" smtClean="0"/>
+              <a:t>creation</a:t>
+            </a:r>
+            <a:r>
+              <a:rPr lang="de-DE" dirty="0" smtClean="0"/>
+              <a:t> / </a:t>
+            </a:r>
+            <a:r>
+              <a:rPr lang="de-DE" dirty="0" err="1" smtClean="0"/>
+              <a:t>deployment</a:t>
+            </a:r>
+            <a:r>
+              <a:rPr lang="de-DE" dirty="0" smtClean="0"/>
+              <a:t> / </a:t>
+            </a:r>
+            <a:r>
+              <a:rPr lang="de-DE" dirty="0" err="1" smtClean="0"/>
+              <a:t>structure</a:t>
+            </a:r>
+            <a:r>
+              <a:rPr lang="de-DE" dirty="0" smtClean="0"/>
+              <a:t> - </a:t>
+            </a:r>
+            <a:r>
+              <a:rPr lang="de-DE" dirty="0" err="1" smtClean="0"/>
+              <a:t>done</a:t>
+            </a:r>
+            <a:endParaRPr lang="de-DE" dirty="0" smtClean="0"/>
+          </a:p>
+          <a:p>
+            <a:r>
+              <a:rPr lang="de-DE" dirty="0" smtClean="0"/>
+              <a:t>Custom </a:t>
+            </a:r>
+            <a:r>
+              <a:rPr lang="de-DE" dirty="0" err="1" smtClean="0"/>
+              <a:t>content</a:t>
+            </a:r>
+            <a:r>
+              <a:rPr lang="de-DE" dirty="0" smtClean="0"/>
+              <a:t> </a:t>
+            </a:r>
+            <a:r>
+              <a:rPr lang="de-DE" dirty="0" err="1" smtClean="0"/>
+              <a:t>types</a:t>
+            </a:r>
+            <a:r>
+              <a:rPr lang="de-DE" dirty="0" smtClean="0"/>
+              <a:t> </a:t>
+            </a:r>
+            <a:r>
+              <a:rPr lang="de-DE" dirty="0" err="1" smtClean="0"/>
+              <a:t>creation</a:t>
+            </a:r>
+            <a:r>
+              <a:rPr lang="de-DE" dirty="0" smtClean="0"/>
+              <a:t> / </a:t>
+            </a:r>
+            <a:r>
+              <a:rPr lang="de-DE" dirty="0" err="1" smtClean="0"/>
+              <a:t>deployment</a:t>
+            </a:r>
+            <a:r>
+              <a:rPr lang="de-DE" dirty="0" smtClean="0"/>
+              <a:t> / </a:t>
+            </a:r>
+            <a:r>
+              <a:rPr lang="de-DE" dirty="0" err="1" smtClean="0"/>
+              <a:t>views</a:t>
+            </a:r>
+            <a:r>
+              <a:rPr lang="de-DE" dirty="0" smtClean="0"/>
+              <a:t> / </a:t>
+            </a:r>
+            <a:r>
+              <a:rPr lang="de-DE" dirty="0" err="1" smtClean="0"/>
+              <a:t>structure</a:t>
+            </a:r>
+            <a:r>
+              <a:rPr lang="de-DE" dirty="0" smtClean="0"/>
+              <a:t> -</a:t>
+            </a:r>
+            <a:r>
+              <a:rPr lang="de-DE" dirty="0" err="1" smtClean="0"/>
+              <a:t>done</a:t>
+            </a:r>
+            <a:endParaRPr lang="de-DE" dirty="0" smtClean="0"/>
+          </a:p>
+          <a:p>
+            <a:r>
+              <a:rPr lang="de-DE" dirty="0" smtClean="0"/>
+              <a:t>Custom </a:t>
+            </a:r>
+            <a:r>
+              <a:rPr lang="de-DE" dirty="0" err="1" smtClean="0"/>
+              <a:t>roles</a:t>
+            </a:r>
+            <a:r>
+              <a:rPr lang="de-DE" dirty="0" smtClean="0"/>
+              <a:t> / </a:t>
+            </a:r>
+            <a:r>
+              <a:rPr lang="de-DE" dirty="0" err="1" smtClean="0"/>
+              <a:t>permission</a:t>
+            </a:r>
+            <a:r>
+              <a:rPr lang="de-DE" dirty="0" smtClean="0"/>
+              <a:t> - </a:t>
+            </a:r>
+            <a:r>
+              <a:rPr lang="de-DE" dirty="0" err="1" smtClean="0"/>
+              <a:t>done</a:t>
+            </a:r>
+            <a:endParaRPr lang="de-DE" dirty="0" smtClean="0"/>
+          </a:p>
+          <a:p>
+            <a:r>
+              <a:rPr lang="de-DE" dirty="0" smtClean="0"/>
+              <a:t>Custom </a:t>
+            </a:r>
+            <a:r>
+              <a:rPr lang="de-DE" dirty="0" err="1" smtClean="0"/>
+              <a:t>workflows</a:t>
+            </a:r>
+            <a:r>
+              <a:rPr lang="de-DE" dirty="0" smtClean="0"/>
+              <a:t> - </a:t>
+            </a:r>
+            <a:r>
+              <a:rPr lang="de-DE" dirty="0" err="1" smtClean="0"/>
+              <a:t>failed</a:t>
+            </a:r>
+            <a:endParaRPr lang="de-DE" dirty="0" smtClean="0"/>
+          </a:p>
+          <a:p>
+            <a:r>
+              <a:rPr lang="de-DE" dirty="0" smtClean="0"/>
+              <a:t>Custom </a:t>
+            </a:r>
+            <a:r>
+              <a:rPr lang="de-DE" dirty="0" err="1" smtClean="0"/>
+              <a:t>rules</a:t>
+            </a:r>
+            <a:r>
+              <a:rPr lang="de-DE" dirty="0" smtClean="0"/>
+              <a:t> - </a:t>
+            </a:r>
+            <a:r>
+              <a:rPr lang="de-DE" dirty="0" err="1" smtClean="0"/>
+              <a:t>failed</a:t>
+            </a:r>
+            <a:endParaRPr lang="de-DE" dirty="0" smtClean="0"/>
+          </a:p>
+          <a:p>
+            <a:r>
+              <a:rPr lang="de-DE" dirty="0" err="1" smtClean="0"/>
+              <a:t>Using</a:t>
+            </a:r>
+            <a:r>
+              <a:rPr lang="de-DE" dirty="0" smtClean="0"/>
+              <a:t> Portals - </a:t>
+            </a:r>
+            <a:r>
+              <a:rPr lang="de-DE" dirty="0" err="1" smtClean="0"/>
+              <a:t>failed</a:t>
+            </a:r>
+            <a:endParaRPr lang="de-DE" dirty="0" smtClean="0"/>
+          </a:p>
+          <a:p>
+            <a:r>
+              <a:rPr lang="de-DE" dirty="0" err="1" smtClean="0"/>
+              <a:t>Using</a:t>
+            </a:r>
+            <a:r>
+              <a:rPr lang="de-DE" dirty="0" smtClean="0"/>
+              <a:t> Filters – </a:t>
+            </a:r>
+            <a:r>
+              <a:rPr lang="de-DE" dirty="0" err="1" smtClean="0"/>
+              <a:t>todo</a:t>
+            </a:r>
+            <a:endParaRPr lang="de-DE" dirty="0" smtClean="0"/>
+          </a:p>
+          <a:p>
+            <a:pPr lvl="0"/>
+            <a:r>
+              <a:rPr lang="de-DE" dirty="0"/>
+              <a:t>Custom </a:t>
+            </a:r>
+            <a:r>
+              <a:rPr lang="de-DE" dirty="0" err="1"/>
+              <a:t>actions</a:t>
+            </a:r>
+            <a:r>
+              <a:rPr lang="de-DE" dirty="0"/>
+              <a:t> - </a:t>
+            </a:r>
+            <a:r>
+              <a:rPr lang="de-DE" dirty="0" err="1" smtClean="0"/>
+              <a:t>todo</a:t>
+            </a:r>
+            <a:endParaRPr lang="de-DE" dirty="0" smtClean="0"/>
+          </a:p>
+          <a:p>
+            <a:r>
+              <a:rPr lang="de-DE" dirty="0" err="1" smtClean="0"/>
+              <a:t>Clustered</a:t>
+            </a:r>
+            <a:r>
+              <a:rPr lang="de-DE" dirty="0" smtClean="0"/>
+              <a:t> </a:t>
+            </a:r>
+            <a:r>
+              <a:rPr lang="de-DE" dirty="0" err="1" smtClean="0"/>
+              <a:t>Instances</a:t>
+            </a:r>
+            <a:r>
+              <a:rPr lang="de-DE" dirty="0" smtClean="0"/>
+              <a:t> - </a:t>
+            </a:r>
+            <a:r>
+              <a:rPr lang="de-DE" dirty="0" err="1" smtClean="0"/>
+              <a:t>failed</a:t>
+            </a:r>
+            <a:endParaRPr lang="de-DE" dirty="0" smtClean="0"/>
+          </a:p>
+        </p:txBody>
+      </p:sp>
+    </p:spTree>
+    <p:extLst>
+      <p:ext uri="{BB962C8B-B14F-4D97-AF65-F5344CB8AC3E}">
+        <p14:creationId xmlns:p14="http://schemas.microsoft.com/office/powerpoint/2010/main" val="2469236483"/>
+      </p:ext>
+    </p:extLst>
+  </p:cSld>
+  <p:clrMapOvr>
+    <a:masterClrMapping/>
+  </p:clrMapOvr>
+</p:sld>
+</file>
+
 <file path=ppt/slides/slide6.xml><?xml version="1.0" encoding="utf-8"?>
 <p:sld xmlns:a="http://schemas.openxmlformats.org/drawingml/2006/main" xmlns:r="http://schemas.openxmlformats.org/officeDocument/2006/relationships" xmlns:p="http://schemas.openxmlformats.org/presentationml/2006/main">
   <p:cSld>
@@ -21327,8 +21701,47 @@
           </a:p>
           <a:p>
             <a:r>
-              <a:rPr lang="de-DE" dirty="0" err="1"/>
+              <a:rPr lang="de-DE" dirty="0" err="1" smtClean="0"/>
               <a:t>Jira</a:t>
+            </a:r>
+            <a:endParaRPr lang="de-DE" dirty="0" smtClean="0"/>
+          </a:p>
+          <a:p>
+            <a:r>
+              <a:rPr lang="de-DE" dirty="0" err="1" smtClean="0"/>
+              <a:t>Some</a:t>
+            </a:r>
+            <a:r>
+              <a:rPr lang="de-DE" dirty="0" smtClean="0"/>
+              <a:t> </a:t>
+            </a:r>
+            <a:r>
+              <a:rPr lang="de-DE" dirty="0" err="1" smtClean="0"/>
+              <a:t>features</a:t>
+            </a:r>
+            <a:r>
+              <a:rPr lang="de-DE" dirty="0" smtClean="0"/>
+              <a:t> </a:t>
+            </a:r>
+            <a:r>
+              <a:rPr lang="de-DE" dirty="0" err="1" smtClean="0"/>
+              <a:t>are</a:t>
+            </a:r>
+            <a:r>
+              <a:rPr lang="de-DE" dirty="0" smtClean="0"/>
+              <a:t> not </a:t>
+            </a:r>
+            <a:r>
+              <a:rPr lang="de-DE" dirty="0" err="1" smtClean="0"/>
+              <a:t>documented</a:t>
+            </a:r>
+            <a:r>
+              <a:rPr lang="de-DE" dirty="0" smtClean="0"/>
+              <a:t> on </a:t>
+            </a:r>
+            <a:r>
+              <a:rPr lang="de-DE" dirty="0" err="1" smtClean="0"/>
+              <a:t>purpose</a:t>
             </a:r>
             <a:endParaRPr lang="en-US" dirty="0"/>
           </a:p>
